--- a/Оберемко соц проект.pptx
+++ b/Оберемко соц проект.pptx
@@ -241,7 +241,7 @@
           <a:p>
             <a:fld id="{6DDFEA3B-4E9F-41E1-87FF-3E012EC78E33}" type="datetimeFigureOut">
               <a:rPr lang="ru-RU" smtClean="0"/>
-              <a:t>12.11.2025</a:t>
+              <a:t>26.12.2025</a:t>
             </a:fld>
             <a:endParaRPr lang="ru-RU"/>
           </a:p>
@@ -418,7 +418,7 @@
           <a:p>
             <a:fld id="{FED72E1C-1F8D-49E2-B299-7468A682693B}" type="datetimeFigureOut">
               <a:rPr lang="ru-RU" smtClean="0"/>
-              <a:t>12.11.2025</a:t>
+              <a:t>26.12.2025</a:t>
             </a:fld>
             <a:endParaRPr lang="ru-RU"/>
           </a:p>
@@ -6715,18 +6715,7 @@
                           <a:ea typeface="+mn-ea"/>
                           <a:cs typeface="+mn-cs"/>
                         </a:rPr>
-                        <a:t>10.01.2026 </a:t>
-                      </a:r>
-                      <a:r>
-                        <a:rPr lang="ru-RU" sz="1400" kern="1200" dirty="0" smtClean="0">
-                          <a:solidFill>
-                            <a:schemeClr val="dk1"/>
-                          </a:solidFill>
-                          <a:latin typeface="+mn-lt"/>
-                          <a:ea typeface="+mn-ea"/>
-                          <a:cs typeface="+mn-cs"/>
-                        </a:rPr>
-                        <a:t>– </a:t>
+                        <a:t>10.01.2026 – </a:t>
                       </a:r>
                       <a:r>
                         <a:rPr lang="en-US" sz="1400" kern="1200" dirty="0" smtClean="0">
@@ -9437,7 +9426,6 @@
               <a:rPr lang="ru-RU" dirty="0"/>
               <a:t>нарушать режим дня жителей (например, проводить шумные мероприятия поздно вечером)</a:t>
             </a:r>
-            <a:endParaRPr lang="ru-RU" dirty="0"/>
           </a:p>
         </p:txBody>
       </p:sp>
@@ -9494,6 +9482,266 @@
           </a:p>
         </p:txBody>
       </p:sp>
+      <p:sp>
+        <p:nvSpPr>
+          <p:cNvPr id="2" name="TextBox 1"/>
+          <p:cNvSpPr txBox="1"/>
+          <p:nvPr/>
+        </p:nvSpPr>
+        <p:spPr>
+          <a:xfrm>
+            <a:off x="149628" y="1140285"/>
+            <a:ext cx="11945389" cy="5755422"/>
+          </a:xfrm>
+          <a:prstGeom prst="rect">
+            <a:avLst/>
+          </a:prstGeom>
+          <a:noFill/>
+        </p:spPr>
+        <p:txBody>
+          <a:bodyPr wrap="square" rtlCol="0">
+            <a:spAutoFit/>
+          </a:bodyPr>
+          <a:lstStyle/>
+          <a:p>
+            <a:r>
+              <a:rPr lang="ru-RU" sz="1600" b="1" dirty="0"/>
+              <a:t>Организация мероприятий</a:t>
+            </a:r>
+          </a:p>
+          <a:p>
+            <a:pPr marL="285750" indent="-285750">
+              <a:buFont typeface="Arial" panose="020B0604020202020204" pitchFamily="34" charset="0"/>
+              <a:buChar char="•"/>
+            </a:pPr>
+            <a:r>
+              <a:rPr lang="ru-RU" sz="1600" dirty="0" smtClean="0"/>
+              <a:t>проведение </a:t>
+            </a:r>
+            <a:r>
+              <a:rPr lang="ru-RU" sz="1600" dirty="0"/>
+              <a:t>регулярных </a:t>
+            </a:r>
+            <a:r>
+              <a:rPr lang="ru-RU" sz="1600" dirty="0" smtClean="0"/>
+              <a:t>дискуссий и мероприятий для </a:t>
+            </a:r>
+            <a:r>
+              <a:rPr lang="ru-RU" sz="1600" dirty="0"/>
+              <a:t>выявления потребностей и идей жителей.</a:t>
+            </a:r>
+          </a:p>
+          <a:p>
+            <a:pPr marL="285750" indent="-285750">
+              <a:buFont typeface="Arial" panose="020B0604020202020204" pitchFamily="34" charset="0"/>
+              <a:buChar char="•"/>
+            </a:pPr>
+            <a:r>
+              <a:rPr lang="ru-RU" sz="1600" dirty="0" smtClean="0"/>
+              <a:t>организация </a:t>
+            </a:r>
+            <a:r>
+              <a:rPr lang="ru-RU" sz="1600" dirty="0"/>
+              <a:t>совместных субботников, </a:t>
+            </a:r>
+            <a:r>
+              <a:rPr lang="ru-RU" sz="1600" dirty="0" smtClean="0"/>
+              <a:t>фестивалей и </a:t>
+            </a:r>
+            <a:r>
+              <a:rPr lang="ru-RU" sz="1600" dirty="0"/>
+              <a:t>культурных событий для укрепления соседских связей.</a:t>
+            </a:r>
+          </a:p>
+          <a:p>
+            <a:endParaRPr lang="ru-RU" sz="1600" b="1" dirty="0" smtClean="0"/>
+          </a:p>
+          <a:p>
+            <a:r>
+              <a:rPr lang="ru-RU" sz="1600" b="1" dirty="0" smtClean="0"/>
+              <a:t>Партнёрские связи</a:t>
+            </a:r>
+            <a:endParaRPr lang="ru-RU" sz="1600" b="1" dirty="0"/>
+          </a:p>
+          <a:p>
+            <a:pPr marL="285750" indent="-285750">
+              <a:buFont typeface="Arial" panose="020B0604020202020204" pitchFamily="34" charset="0"/>
+              <a:buChar char="•"/>
+            </a:pPr>
+            <a:r>
+              <a:rPr lang="ru-RU" sz="1600" dirty="0"/>
+              <a:t>с</a:t>
+            </a:r>
+            <a:r>
+              <a:rPr lang="ru-RU" sz="1600" dirty="0" smtClean="0"/>
+              <a:t>отрудничество </a:t>
+            </a:r>
+            <a:r>
+              <a:rPr lang="ru-RU" sz="1600" dirty="0"/>
+              <a:t>с органами местного самоуправления (администрациями районов, ТСЖ, УК), общественными советами и активистами.</a:t>
+            </a:r>
+          </a:p>
+          <a:p>
+            <a:pPr marL="285750" indent="-285750">
+              <a:buFont typeface="Arial" panose="020B0604020202020204" pitchFamily="34" charset="0"/>
+              <a:buChar char="•"/>
+            </a:pPr>
+            <a:r>
+              <a:rPr lang="ru-RU" sz="1600" dirty="0"/>
+              <a:t>п</a:t>
+            </a:r>
+            <a:r>
+              <a:rPr lang="ru-RU" sz="1600" dirty="0" smtClean="0"/>
+              <a:t>ривлечение </a:t>
+            </a:r>
+            <a:r>
+              <a:rPr lang="ru-RU" sz="1600" dirty="0"/>
+              <a:t>благотворительных фондов, корпоративных спонсоров и местного бизнеса для финансирования и материальной поддержки.</a:t>
+            </a:r>
+          </a:p>
+          <a:p>
+            <a:pPr marL="285750" indent="-285750">
+              <a:buFont typeface="Arial" panose="020B0604020202020204" pitchFamily="34" charset="0"/>
+              <a:buChar char="•"/>
+            </a:pPr>
+            <a:r>
+              <a:rPr lang="ru-RU" sz="1600" dirty="0"/>
+              <a:t>в</a:t>
+            </a:r>
+            <a:r>
+              <a:rPr lang="ru-RU" sz="1600" dirty="0" smtClean="0"/>
+              <a:t>овлечение </a:t>
+            </a:r>
+            <a:r>
+              <a:rPr lang="ru-RU" sz="1600" dirty="0"/>
+              <a:t>волонтёрских организаций </a:t>
+            </a:r>
+            <a:r>
+              <a:rPr lang="ru-RU" sz="1600" dirty="0" smtClean="0"/>
+              <a:t>для </a:t>
+            </a:r>
+            <a:r>
+              <a:rPr lang="ru-RU" sz="1600" dirty="0"/>
+              <a:t>организации мероприятий и работы на местах</a:t>
+            </a:r>
+            <a:r>
+              <a:rPr lang="ru-RU" sz="1600" dirty="0" smtClean="0"/>
+              <a:t>.</a:t>
+            </a:r>
+          </a:p>
+          <a:p>
+            <a:pPr marL="285750" indent="-285750">
+              <a:buFont typeface="Arial" panose="020B0604020202020204" pitchFamily="34" charset="0"/>
+              <a:buChar char="•"/>
+            </a:pPr>
+            <a:endParaRPr lang="ru-RU" sz="1600" dirty="0"/>
+          </a:p>
+          <a:p>
+            <a:r>
+              <a:rPr lang="ru-RU" sz="1600" b="1" dirty="0"/>
+              <a:t>Финансовое обеспечение</a:t>
+            </a:r>
+          </a:p>
+          <a:p>
+            <a:pPr marL="285750" indent="-285750">
+              <a:buFont typeface="Arial" panose="020B0604020202020204" pitchFamily="34" charset="0"/>
+              <a:buChar char="•"/>
+            </a:pPr>
+            <a:r>
+              <a:rPr lang="ru-RU" sz="1600" dirty="0"/>
+              <a:t>грантовое финансирование от региональных и федеральных программ по развитию городской среды и социальной инфраструктуры</a:t>
+            </a:r>
+            <a:r>
+              <a:rPr lang="ru-RU" sz="1600" dirty="0" smtClean="0"/>
+              <a:t>.</a:t>
+            </a:r>
+            <a:endParaRPr lang="ru-RU" sz="1600" dirty="0"/>
+          </a:p>
+          <a:p>
+            <a:endParaRPr lang="ru-RU" sz="1600" dirty="0"/>
+          </a:p>
+          <a:p>
+            <a:r>
+              <a:rPr lang="ru-RU" sz="1600" b="1" dirty="0"/>
+              <a:t>Управление проектом</a:t>
+            </a:r>
+          </a:p>
+          <a:p>
+            <a:pPr marL="285750" indent="-285750">
+              <a:buFont typeface="Arial" panose="020B0604020202020204" pitchFamily="34" charset="0"/>
+              <a:buChar char="•"/>
+            </a:pPr>
+            <a:r>
+              <a:rPr lang="ru-RU" sz="1600" dirty="0"/>
+              <a:t>э</a:t>
+            </a:r>
+            <a:r>
+              <a:rPr lang="ru-RU" sz="1600" dirty="0" smtClean="0"/>
+              <a:t>тапный </a:t>
+            </a:r>
+            <a:r>
+              <a:rPr lang="ru-RU" sz="1600" dirty="0"/>
+              <a:t>контроль достижения результатов: ежеквартальные отчеты по количеству охваченных дворов, проведённых мероприятий и уровню удовлетворённости жителей.</a:t>
+            </a:r>
+          </a:p>
+          <a:p>
+            <a:pPr marL="285750" indent="-285750">
+              <a:buFont typeface="Arial" panose="020B0604020202020204" pitchFamily="34" charset="0"/>
+              <a:buChar char="•"/>
+            </a:pPr>
+            <a:r>
+              <a:rPr lang="ru-RU" sz="1600" dirty="0"/>
+              <a:t>м</a:t>
+            </a:r>
+            <a:r>
+              <a:rPr lang="ru-RU" sz="1600" dirty="0" smtClean="0"/>
+              <a:t>ониторинг </a:t>
+            </a:r>
+            <a:r>
+              <a:rPr lang="ru-RU" sz="1600" dirty="0"/>
+              <a:t>качества и доступности созданных социальных пространств (безбарьерность, безопасность, эстетика, функциональность).</a:t>
+            </a:r>
+          </a:p>
+          <a:p>
+            <a:pPr marL="285750" indent="-285750">
+              <a:buFont typeface="Arial" panose="020B0604020202020204" pitchFamily="34" charset="0"/>
+              <a:buChar char="•"/>
+            </a:pPr>
+            <a:r>
+              <a:rPr lang="ru-RU" sz="1600" dirty="0"/>
+              <a:t>р</a:t>
+            </a:r>
+            <a:r>
+              <a:rPr lang="ru-RU" sz="1600" dirty="0" smtClean="0"/>
+              <a:t>егулярный </a:t>
+            </a:r>
+            <a:r>
+              <a:rPr lang="ru-RU" sz="1600" dirty="0"/>
+              <a:t>сбор обратной связи от жителей через </a:t>
+            </a:r>
+            <a:r>
+              <a:rPr lang="ru-RU" sz="1600" dirty="0" smtClean="0"/>
+              <a:t>опросы и </a:t>
+            </a:r>
+            <a:r>
+              <a:rPr lang="ru-RU" sz="1600" dirty="0"/>
+              <a:t>личные встречи с инициативными группами</a:t>
+            </a:r>
+            <a:r>
+              <a:rPr lang="ru-RU" sz="1600" dirty="0" smtClean="0"/>
+              <a:t>.</a:t>
+            </a:r>
+            <a:r>
+              <a:rPr lang="ru-RU" sz="1600" dirty="0"/>
+              <a:t/>
+            </a:r>
+            <a:br>
+              <a:rPr lang="ru-RU" sz="1600" dirty="0"/>
+            </a:br>
+            <a:endParaRPr lang="ru-RU" sz="1600" dirty="0"/>
+          </a:p>
+        </p:txBody>
+      </p:sp>
     </p:spTree>
     <p:extLst>
       <p:ext uri="{BB962C8B-B14F-4D97-AF65-F5344CB8AC3E}">
@@ -9534,7 +9782,12 @@
             <p:ph type="body" sz="quarter" idx="12"/>
           </p:nvPr>
         </p:nvSpPr>
-        <p:spPr/>
+        <p:spPr>
+          <a:xfrm>
+            <a:off x="365158" y="309012"/>
+            <a:ext cx="11376000" cy="549275"/>
+          </a:xfrm>
+        </p:spPr>
         <p:txBody>
           <a:bodyPr/>
           <a:lstStyle/>
@@ -9556,14 +9809,14 @@
           <p:nvPr>
             <p:extLst>
               <p:ext uri="{D42A27DB-BD31-4B8C-83A1-F6EECF244321}">
-                <p14:modId xmlns:p14="http://schemas.microsoft.com/office/powerpoint/2010/main" val="2284662254"/>
+                <p14:modId xmlns:p14="http://schemas.microsoft.com/office/powerpoint/2010/main" val="2647301067"/>
               </p:ext>
             </p:extLst>
           </p:nvPr>
         </p:nvGraphicFramePr>
         <p:xfrm>
-          <a:off x="365158" y="1732540"/>
-          <a:ext cx="11376000" cy="1854200"/>
+          <a:off x="365158" y="1149232"/>
+          <a:ext cx="11376000" cy="5598851"/>
         </p:xfrm>
         <a:graphic>
           <a:graphicData uri="http://schemas.openxmlformats.org/drawingml/2006/table">
@@ -9594,14 +9847,14 @@
                   </a:extLst>
                 </a:gridCol>
               </a:tblGrid>
-              <a:tr h="370840">
+              <a:tr h="356291">
                 <a:tc>
                   <a:txBody>
                     <a:bodyPr/>
                     <a:lstStyle/>
                     <a:p>
                       <a:r>
-                        <a:rPr lang="ru-RU" dirty="0"/>
+                        <a:rPr lang="ru-RU" sz="1600" dirty="0"/>
                         <a:t>№ п/п</a:t>
                       </a:r>
                     </a:p>
@@ -9614,7 +9867,7 @@
                     <a:lstStyle/>
                     <a:p>
                       <a:r>
-                        <a:rPr lang="ru-RU" dirty="0"/>
+                        <a:rPr lang="ru-RU" sz="1600" dirty="0"/>
                         <a:t>Результат (краткое описание)</a:t>
                       </a:r>
                     </a:p>
@@ -9627,7 +9880,7 @@
                     <a:lstStyle/>
                     <a:p>
                       <a:r>
-                        <a:rPr lang="ru-RU" dirty="0"/>
+                        <a:rPr lang="ru-RU" sz="1600" dirty="0"/>
                         <a:t>Критерии достижения результата</a:t>
                       </a:r>
                     </a:p>
@@ -9646,7 +9899,11 @@
                     <a:bodyPr/>
                     <a:lstStyle/>
                     <a:p>
-                      <a:endParaRPr lang="ru-RU"/>
+                      <a:r>
+                        <a:rPr lang="en-US" sz="1600" dirty="0" smtClean="0"/>
+                        <a:t>1</a:t>
+                      </a:r>
+                      <a:endParaRPr lang="ru-RU" sz="1600" dirty="0"/>
                     </a:p>
                   </a:txBody>
                   <a:tcPr/>
@@ -9656,7 +9913,19 @@
                     <a:bodyPr/>
                     <a:lstStyle/>
                     <a:p>
-                      <a:endParaRPr lang="ru-RU"/>
+                      <a:r>
+                        <a:rPr lang="ru-RU" sz="1600" b="1" i="0" kern="1200" dirty="0" smtClean="0">
+                          <a:solidFill>
+                            <a:schemeClr val="dk1"/>
+                          </a:solidFill>
+                          <a:effectLst/>
+                          <a:latin typeface="+mn-lt"/>
+                          <a:ea typeface="+mn-ea"/>
+                          <a:cs typeface="+mn-cs"/>
+                        </a:rPr>
+                        <a:t>Созданы 50 дружелюбных и вовлекающих социальных пространств в жилых дворах Ставрополя</a:t>
+                      </a:r>
+                      <a:endParaRPr lang="ru-RU" sz="1600" dirty="0"/>
                     </a:p>
                   </a:txBody>
                   <a:tcPr/>
@@ -9666,7 +9935,67 @@
                     <a:bodyPr/>
                     <a:lstStyle/>
                     <a:p>
-                      <a:endParaRPr lang="ru-RU"/>
+                      <a:r>
+                        <a:rPr lang="ru-RU" sz="1600" b="0" i="0" kern="1200" dirty="0" smtClean="0">
+                          <a:solidFill>
+                            <a:schemeClr val="dk1"/>
+                          </a:solidFill>
+                          <a:effectLst/>
+                          <a:latin typeface="+mn-lt"/>
+                          <a:ea typeface="+mn-ea"/>
+                          <a:cs typeface="+mn-cs"/>
+                        </a:rPr>
+                        <a:t>В каждом из 50 дворов реализованы физические изменения (новые скамейки, зоны отдыха, детские площадки, цветники и т.д.),</a:t>
+                      </a:r>
+                      <a:r>
+                        <a:rPr lang="ru-RU" sz="1600" b="0" i="0" kern="1200" baseline="0" dirty="0" smtClean="0">
+                          <a:solidFill>
+                            <a:schemeClr val="dk1"/>
+                          </a:solidFill>
+                          <a:effectLst/>
+                          <a:latin typeface="+mn-lt"/>
+                          <a:ea typeface="+mn-ea"/>
+                          <a:cs typeface="+mn-cs"/>
+                        </a:rPr>
+                        <a:t> у</a:t>
+                      </a:r>
+                      <a:r>
+                        <a:rPr lang="ru-RU" sz="1600" b="0" i="0" kern="1200" dirty="0" smtClean="0">
+                          <a:solidFill>
+                            <a:schemeClr val="dk1"/>
+                          </a:solidFill>
+                          <a:effectLst/>
+                          <a:latin typeface="+mn-lt"/>
+                          <a:ea typeface="+mn-ea"/>
+                          <a:cs typeface="+mn-cs"/>
+                        </a:rPr>
+                        <a:t>становлены информационные стенды или QR-коды для взаимодействия,</a:t>
+                      </a:r>
+                      <a:r>
+                        <a:rPr lang="ru-RU" sz="1600" b="0" i="0" kern="1200" baseline="0" dirty="0" smtClean="0">
+                          <a:solidFill>
+                            <a:schemeClr val="dk1"/>
+                          </a:solidFill>
+                          <a:effectLst/>
+                          <a:latin typeface="+mn-lt"/>
+                          <a:ea typeface="+mn-ea"/>
+                          <a:cs typeface="+mn-cs"/>
+                        </a:rPr>
+                        <a:t> п</a:t>
+                      </a:r>
+                      <a:r>
+                        <a:rPr lang="ru-RU" sz="1600" b="0" i="0" kern="1200" dirty="0" smtClean="0">
+                          <a:solidFill>
+                            <a:schemeClr val="dk1"/>
+                          </a:solidFill>
+                          <a:effectLst/>
+                          <a:latin typeface="+mn-lt"/>
+                          <a:ea typeface="+mn-ea"/>
+                          <a:cs typeface="+mn-cs"/>
+                        </a:rPr>
+                        <a:t>роведено не менее 2 мероприятий на двор в год.</a:t>
+                      </a:r>
+                      <a:endParaRPr lang="ru-RU" sz="1600" dirty="0"/>
                     </a:p>
                   </a:txBody>
                   <a:tcPr/>
@@ -9683,7 +10012,11 @@
                     <a:bodyPr/>
                     <a:lstStyle/>
                     <a:p>
-                      <a:endParaRPr lang="ru-RU"/>
+                      <a:r>
+                        <a:rPr lang="ru-RU" sz="1600" dirty="0" smtClean="0"/>
+                        <a:t>2</a:t>
+                      </a:r>
+                      <a:endParaRPr lang="ru-RU" sz="1600" dirty="0"/>
                     </a:p>
                   </a:txBody>
                   <a:tcPr/>
@@ -9693,7 +10026,19 @@
                     <a:bodyPr/>
                     <a:lstStyle/>
                     <a:p>
-                      <a:endParaRPr lang="ru-RU"/>
+                      <a:r>
+                        <a:rPr lang="ru-RU" sz="1600" b="1" i="0" kern="1200" dirty="0" smtClean="0">
+                          <a:solidFill>
+                            <a:schemeClr val="dk1"/>
+                          </a:solidFill>
+                          <a:effectLst/>
+                          <a:latin typeface="+mn-lt"/>
+                          <a:ea typeface="+mn-ea"/>
+                          <a:cs typeface="+mn-cs"/>
+                        </a:rPr>
+                        <a:t>Сформированы устойчивые инициативные группы жителей в каждом преобразованном дворе</a:t>
+                      </a:r>
+                      <a:endParaRPr lang="ru-RU" sz="1600" dirty="0"/>
                     </a:p>
                   </a:txBody>
                   <a:tcPr/>
@@ -9703,7 +10048,43 @@
                     <a:bodyPr/>
                     <a:lstStyle/>
                     <a:p>
-                      <a:endParaRPr lang="ru-RU"/>
+                      <a:r>
+                        <a:rPr lang="ru-RU" sz="1600" b="0" i="0" kern="1200" dirty="0" smtClean="0">
+                          <a:solidFill>
+                            <a:schemeClr val="dk1"/>
+                          </a:solidFill>
+                          <a:effectLst/>
+                          <a:latin typeface="+mn-lt"/>
+                          <a:ea typeface="+mn-ea"/>
+                          <a:cs typeface="+mn-cs"/>
+                        </a:rPr>
+                        <a:t>В каждом дворе зарегистрирована инициативная группа (минимум 3 человека), проводящая регулярные встречи (не реже 1 раза в квартал)</a:t>
+                      </a:r>
+                      <a:r>
+                        <a:rPr lang="ru-RU" sz="1600" b="0" i="0" kern="1200" baseline="0" dirty="0" smtClean="0">
+                          <a:solidFill>
+                            <a:schemeClr val="dk1"/>
+                          </a:solidFill>
+                          <a:effectLst/>
+                          <a:latin typeface="+mn-lt"/>
+                          <a:ea typeface="+mn-ea"/>
+                          <a:cs typeface="+mn-cs"/>
+                        </a:rPr>
+                        <a:t> и</a:t>
+                      </a:r>
+                      <a:r>
+                        <a:rPr lang="ru-RU" sz="1600" b="0" i="0" kern="1200" dirty="0" smtClean="0">
+                          <a:solidFill>
+                            <a:schemeClr val="dk1"/>
+                          </a:solidFill>
+                          <a:effectLst/>
+                          <a:latin typeface="+mn-lt"/>
+                          <a:ea typeface="+mn-ea"/>
+                          <a:cs typeface="+mn-cs"/>
+                        </a:rPr>
+                        <a:t> активно участвующая в планировании и организации мероприятий.</a:t>
+                      </a:r>
+                      <a:endParaRPr lang="ru-RU" sz="1600" dirty="0"/>
                     </a:p>
                   </a:txBody>
                   <a:tcPr/>
@@ -9720,7 +10101,11 @@
                     <a:bodyPr/>
                     <a:lstStyle/>
                     <a:p>
-                      <a:endParaRPr lang="ru-RU"/>
+                      <a:r>
+                        <a:rPr lang="ru-RU" sz="1600" dirty="0" smtClean="0"/>
+                        <a:t>3</a:t>
+                      </a:r>
+                      <a:endParaRPr lang="ru-RU" sz="1600" dirty="0"/>
                     </a:p>
                   </a:txBody>
                   <a:tcPr/>
@@ -9730,7 +10115,43 @@
                     <a:bodyPr/>
                     <a:lstStyle/>
                     <a:p>
-                      <a:endParaRPr lang="ru-RU"/>
+                      <a:r>
+                        <a:rPr lang="ru-RU" sz="1600" b="1" i="0" kern="1200" dirty="0" smtClean="0">
+                          <a:solidFill>
+                            <a:schemeClr val="dk1"/>
+                          </a:solidFill>
+                          <a:effectLst/>
+                          <a:latin typeface="+mn-lt"/>
+                          <a:ea typeface="+mn-ea"/>
+                          <a:cs typeface="+mn-cs"/>
+                        </a:rPr>
+                        <a:t>Повышен уровень социальной </a:t>
+                      </a:r>
+                      <a:r>
+                        <a:rPr lang="ru-RU" sz="1600" b="1" i="0" kern="1200" dirty="0" err="1" smtClean="0">
+                          <a:solidFill>
+                            <a:schemeClr val="dk1"/>
+                          </a:solidFill>
+                          <a:effectLst/>
+                          <a:latin typeface="+mn-lt"/>
+                          <a:ea typeface="+mn-ea"/>
+                          <a:cs typeface="+mn-cs"/>
+                        </a:rPr>
+                        <a:t>вовлечённости</a:t>
+                      </a:r>
+                      <a:r>
+                        <a:rPr lang="ru-RU" sz="1600" b="1" i="0" kern="1200" dirty="0" smtClean="0">
+                          <a:solidFill>
+                            <a:schemeClr val="dk1"/>
+                          </a:solidFill>
+                          <a:effectLst/>
+                          <a:latin typeface="+mn-lt"/>
+                          <a:ea typeface="+mn-ea"/>
+                          <a:cs typeface="+mn-cs"/>
+                        </a:rPr>
+                        <a:t> и доверия между соседями</a:t>
+                      </a:r>
+                      <a:endParaRPr lang="ru-RU" sz="1600" dirty="0"/>
                     </a:p>
                   </a:txBody>
                   <a:tcPr/>
@@ -9740,7 +10161,19 @@
                     <a:bodyPr/>
                     <a:lstStyle/>
                     <a:p>
-                      <a:endParaRPr lang="ru-RU"/>
+                      <a:r>
+                        <a:rPr lang="ru-RU" sz="1600" b="0" i="0" kern="1200" dirty="0" smtClean="0">
+                          <a:solidFill>
+                            <a:schemeClr val="dk1"/>
+                          </a:solidFill>
+                          <a:effectLst/>
+                          <a:latin typeface="+mn-lt"/>
+                          <a:ea typeface="+mn-ea"/>
+                          <a:cs typeface="+mn-cs"/>
+                        </a:rPr>
+                        <a:t>По результатам опросов ≥85% жителей отмечают улучшение отношений с соседями. Рост числа участников мероприятий, снижение количества жалоб на конфликты в дворе.</a:t>
+                      </a:r>
+                      <a:endParaRPr lang="ru-RU" sz="1600" dirty="0"/>
                     </a:p>
                   </a:txBody>
                   <a:tcPr/>
@@ -9757,7 +10190,11 @@
                     <a:bodyPr/>
                     <a:lstStyle/>
                     <a:p>
-                      <a:endParaRPr lang="ru-RU"/>
+                      <a:r>
+                        <a:rPr lang="ru-RU" sz="1600" dirty="0" smtClean="0"/>
+                        <a:t>4</a:t>
+                      </a:r>
+                      <a:endParaRPr lang="ru-RU" sz="1600" dirty="0"/>
                     </a:p>
                   </a:txBody>
                   <a:tcPr/>
@@ -9767,7 +10204,31 @@
                     <a:bodyPr/>
                     <a:lstStyle/>
                     <a:p>
-                      <a:endParaRPr lang="ru-RU"/>
+                      <a:r>
+                        <a:rPr lang="ru-RU" sz="1600" b="1" i="0" kern="1200" dirty="0" smtClean="0">
+                          <a:solidFill>
+                            <a:schemeClr val="dk1"/>
+                          </a:solidFill>
+                          <a:effectLst/>
+                          <a:latin typeface="+mn-lt"/>
+                          <a:ea typeface="+mn-ea"/>
+                          <a:cs typeface="+mn-cs"/>
+                        </a:rPr>
+                        <a:t>Запущена система цифрового взаимодействия и обратной связи через </a:t>
+                      </a:r>
+                      <a:r>
+                        <a:rPr lang="ru-RU" sz="1600" b="1" i="0" kern="1200" dirty="0" err="1" smtClean="0">
+                          <a:solidFill>
+                            <a:schemeClr val="dk1"/>
+                          </a:solidFill>
+                          <a:effectLst/>
+                          <a:latin typeface="+mn-lt"/>
+                          <a:ea typeface="+mn-ea"/>
+                          <a:cs typeface="+mn-cs"/>
+                        </a:rPr>
+                        <a:t>соцсети</a:t>
+                      </a:r>
+                      <a:endParaRPr lang="ru-RU" sz="1600" dirty="0"/>
                     </a:p>
                   </a:txBody>
                   <a:tcPr/>
@@ -9777,7 +10238,43 @@
                     <a:bodyPr/>
                     <a:lstStyle/>
                     <a:p>
-                      <a:endParaRPr lang="ru-RU" dirty="0"/>
+                      <a:r>
+                        <a:rPr lang="ru-RU" sz="1600" b="0" i="0" kern="1200" dirty="0" smtClean="0">
+                          <a:solidFill>
+                            <a:schemeClr val="dk1"/>
+                          </a:solidFill>
+                          <a:effectLst/>
+                          <a:latin typeface="+mn-lt"/>
+                          <a:ea typeface="+mn-ea"/>
+                          <a:cs typeface="+mn-cs"/>
+                        </a:rPr>
+                        <a:t>Созданы и активно поддерживаются официальные страницы/каналы проекта в VK и </a:t>
+                      </a:r>
+                      <a:r>
+                        <a:rPr lang="ru-RU" sz="1600" b="0" i="0" kern="1200" dirty="0" err="1" smtClean="0">
+                          <a:solidFill>
+                            <a:schemeClr val="dk1"/>
+                          </a:solidFill>
+                          <a:effectLst/>
+                          <a:latin typeface="+mn-lt"/>
+                          <a:ea typeface="+mn-ea"/>
+                          <a:cs typeface="+mn-cs"/>
+                        </a:rPr>
+                        <a:t>Telegram</a:t>
+                      </a:r>
+                      <a:r>
+                        <a:rPr lang="ru-RU" sz="1600" b="0" i="0" kern="1200" dirty="0" smtClean="0">
+                          <a:solidFill>
+                            <a:schemeClr val="dk1"/>
+                          </a:solidFill>
+                          <a:effectLst/>
+                          <a:latin typeface="+mn-lt"/>
+                          <a:ea typeface="+mn-ea"/>
+                          <a:cs typeface="+mn-cs"/>
+                        </a:rPr>
+                        <a:t>, ежемесячная активность: ≥50% жителей целевых дворов подписались и хотя бы раз взаимодействовали</a:t>
+                      </a:r>
+                      <a:endParaRPr lang="ru-RU" sz="1600" dirty="0"/>
                     </a:p>
                   </a:txBody>
                   <a:tcPr/>
